--- a/WPSA-Slides.pptx
+++ b/WPSA-Slides.pptx
@@ -4673,7 +4673,7 @@
         <p:spPr>
           <a:xfrm>
             <a:off x="861391" y="1192696"/>
-            <a:ext cx="10641496" cy="4708981"/>
+            <a:ext cx="10641496" cy="5170646"/>
           </a:xfrm>
           <a:prstGeom prst="rect">
             <a:avLst/>
@@ -4770,7 +4770,7 @@
             </a:pPr>
             <a:r>
               <a:rPr lang="en-US" sz="3000" dirty="0"/>
-              <a:t>Women in positions (of the fact thereof) isn’t associated with female legislative effectiveness at the margin</a:t>
+              <a:t>Women in leadership positions (or the fact thereof) isn’t associated with female legislative effectiveness at the margin</a:t>
             </a:r>
           </a:p>
         </p:txBody>
